--- a/中级/课件/Java15.pptx
+++ b/中级/课件/Java15.pptx
@@ -5,7 +5,7 @@
     <p:sldMasterId id="2147483654" r:id="rId1"/>
   </p:sldMasterIdLst>
   <p:notesMasterIdLst>
-    <p:notesMasterId r:id="rId14"/>
+    <p:notesMasterId r:id="rId21"/>
   </p:notesMasterIdLst>
   <p:sldIdLst>
     <p:sldId id="256" r:id="rId2"/>
@@ -18,8 +18,15 @@
     <p:sldId id="276" r:id="rId9"/>
     <p:sldId id="277" r:id="rId10"/>
     <p:sldId id="278" r:id="rId11"/>
-    <p:sldId id="281" r:id="rId12"/>
-    <p:sldId id="282" r:id="rId13"/>
+    <p:sldId id="282" r:id="rId12"/>
+    <p:sldId id="283" r:id="rId13"/>
+    <p:sldId id="284" r:id="rId14"/>
+    <p:sldId id="285" r:id="rId15"/>
+    <p:sldId id="289" r:id="rId16"/>
+    <p:sldId id="286" r:id="rId17"/>
+    <p:sldId id="287" r:id="rId18"/>
+    <p:sldId id="288" r:id="rId19"/>
+    <p:sldId id="290" r:id="rId20"/>
   </p:sldIdLst>
   <p:sldSz cx="9144000" cy="5143500" type="screen16x9"/>
   <p:notesSz cx="6858000" cy="9144000"/>
@@ -227,7 +234,7 @@
   </p:defaultTextStyle>
   <p:extLst>
     <p:ext uri="{EFAFB233-063F-42B5-8137-9DF3F51BA10A}">
-      <p15:sldGuideLst xmlns:p15="http://schemas.microsoft.com/office/powerpoint/2012/main" xmlns="">
+      <p15:sldGuideLst xmlns="" xmlns:p15="http://schemas.microsoft.com/office/powerpoint/2012/main">
         <p15:guide id="1" orient="horz" pos="1620">
           <p15:clr>
             <a:srgbClr val="A4A3A4"/>
@@ -2049,11 +2056,11 @@
               <a:t>第</a:t>
             </a:r>
             <a:r>
-              <a:rPr lang="en-US" altLang="zh-CN" smtClean="0"/>
-              <a:t>14</a:t>
-            </a:r>
-            <a:r>
-              <a:rPr lang="zh-CN" altLang="en-US" smtClean="0"/>
+              <a:rPr lang="en-US" altLang="zh-CN" dirty="0" smtClean="0"/>
+              <a:t>15</a:t>
+            </a:r>
+            <a:r>
+              <a:rPr lang="zh-CN" altLang="en-US" dirty="0" smtClean="0"/>
               <a:t>讲</a:t>
             </a:r>
             <a:r>
@@ -2250,28 +2257,135 @@
           <a:lstStyle/>
           <a:p>
             <a:r>
-              <a:rPr lang="zh-CN" altLang="en-US" dirty="0"/>
-              <a:t>更</a:t>
-            </a:r>
-            <a:r>
-              <a:rPr lang="zh-CN" altLang="en-US" dirty="0" smtClean="0"/>
-              <a:t>多的</a:t>
-            </a:r>
-            <a:r>
-              <a:rPr lang="en-US" altLang="zh-CN" dirty="0" smtClean="0"/>
-              <a:t>java</a:t>
-            </a:r>
-            <a:r>
-              <a:rPr lang="zh-CN" altLang="en-US" dirty="0" smtClean="0"/>
-              <a:t>操作</a:t>
-            </a:r>
-            <a:r>
-              <a:rPr lang="en-US" altLang="zh-CN" dirty="0" err="1" smtClean="0"/>
-              <a:t>sql</a:t>
-            </a:r>
-            <a:r>
-              <a:rPr lang="zh-CN" altLang="en-US" dirty="0" smtClean="0"/>
-              <a:t>的演示</a:t>
+              <a:rPr lang="en-US" altLang="zh-CN" dirty="0" smtClean="0"/>
+              <a:t>HTML</a:t>
+            </a:r>
+            <a:endParaRPr lang="en-US" dirty="0"/>
+          </a:p>
+        </p:txBody>
+      </p:sp>
+      <p:sp>
+        <p:nvSpPr>
+          <p:cNvPr id="3" name="テキスト ボックス 2"/>
+          <p:cNvSpPr txBox="1"/>
+          <p:nvPr/>
+        </p:nvSpPr>
+        <p:spPr>
+          <a:xfrm>
+            <a:off x="323528" y="1491630"/>
+            <a:ext cx="7848872" cy="2893100"/>
+          </a:xfrm>
+          <a:prstGeom prst="rect">
+            <a:avLst/>
+          </a:prstGeom>
+          <a:noFill/>
+        </p:spPr>
+        <p:txBody>
+          <a:bodyPr wrap="square" rtlCol="0">
+            <a:spAutoFit/>
+          </a:bodyPr>
+          <a:lstStyle/>
+          <a:p>
+            <a:r>
+              <a:rPr lang="zh-CN" altLang="en-US" dirty="0" smtClean="0"/>
+              <a:t>常用元素</a:t>
+            </a:r>
+            <a:endParaRPr lang="en-US" altLang="zh-CN" dirty="0" smtClean="0"/>
+          </a:p>
+          <a:p>
+            <a:endParaRPr lang="en-US" dirty="0"/>
+          </a:p>
+          <a:p>
+            <a:r>
+              <a:rPr lang="en-US" dirty="0" smtClean="0"/>
+              <a:t>&lt;html&gt; &lt;head&gt; &lt;</a:t>
+            </a:r>
+            <a:r>
+              <a:rPr lang="en-US" dirty="0" err="1" smtClean="0"/>
+              <a:t>titile</a:t>
+            </a:r>
+            <a:r>
+              <a:rPr lang="en-US" dirty="0" smtClean="0"/>
+              <a:t>&gt; &lt;body&gt;</a:t>
+            </a:r>
+          </a:p>
+          <a:p>
+            <a:endParaRPr lang="en-US" dirty="0"/>
+          </a:p>
+          <a:p>
+            <a:r>
+              <a:rPr lang="en-US" dirty="0" smtClean="0"/>
+              <a:t>&lt;p&gt; &lt;h1&gt;~&lt;h6&gt;</a:t>
+            </a:r>
+          </a:p>
+          <a:p>
+            <a:endParaRPr lang="en-US" dirty="0"/>
+          </a:p>
+          <a:p>
+            <a:r>
+              <a:rPr lang="en-US" dirty="0" smtClean="0"/>
+              <a:t>&lt;a&gt; (</a:t>
+            </a:r>
+            <a:r>
+              <a:rPr lang="en-US" altLang="zh-CN" dirty="0" smtClean="0"/>
+              <a:t>hyperlink</a:t>
+            </a:r>
+            <a:r>
+              <a:rPr lang="zh-CN" altLang="en-US" dirty="0" smtClean="0"/>
+              <a:t>，就是所谓的链接）</a:t>
+            </a:r>
+            <a:endParaRPr lang="en-US" altLang="zh-CN" dirty="0" smtClean="0"/>
+          </a:p>
+          <a:p>
+            <a:endParaRPr lang="en-US" dirty="0"/>
+          </a:p>
+          <a:p>
+            <a:r>
+              <a:rPr lang="en-US" dirty="0" smtClean="0"/>
+              <a:t>&lt;form&gt;</a:t>
+            </a:r>
+            <a:r>
+              <a:rPr lang="zh-CN" altLang="en-US" dirty="0" smtClean="0"/>
+              <a:t>元素，填写注册登录时的元素</a:t>
+            </a:r>
+            <a:endParaRPr lang="en-US" dirty="0" smtClean="0"/>
+          </a:p>
+          <a:p>
+            <a:endParaRPr lang="en-US" dirty="0"/>
+          </a:p>
+          <a:p>
+            <a:r>
+              <a:rPr lang="en-US" dirty="0" smtClean="0"/>
+              <a:t>&lt;span&gt; &lt;div&gt;</a:t>
+            </a:r>
+          </a:p>
+          <a:p>
+            <a:endParaRPr lang="en-US" dirty="0"/>
+          </a:p>
+          <a:p>
+            <a:r>
+              <a:rPr lang="en-US" dirty="0" smtClean="0"/>
+              <a:t>&lt;table&gt; &lt;</a:t>
+            </a:r>
+            <a:r>
+              <a:rPr lang="en-US" dirty="0" err="1" smtClean="0"/>
+              <a:t>tr</a:t>
+            </a:r>
+            <a:r>
+              <a:rPr lang="en-US" dirty="0" smtClean="0"/>
+              <a:t>&gt;&lt;td&gt; &lt;</a:t>
+            </a:r>
+            <a:r>
+              <a:rPr lang="en-US" dirty="0" err="1" smtClean="0"/>
+              <a:t>th</a:t>
+            </a:r>
+            <a:r>
+              <a:rPr lang="en-US" dirty="0"/>
+              <a:t>&gt;</a:t>
+            </a:r>
+            <a:r>
+              <a:rPr lang="en-US" dirty="0" smtClean="0"/>
+              <a:t> </a:t>
             </a:r>
             <a:endParaRPr lang="en-US" dirty="0"/>
           </a:p>
@@ -2280,7 +2394,7 @@
     </p:spTree>
     <p:extLst>
       <p:ext uri="{BB962C8B-B14F-4D97-AF65-F5344CB8AC3E}">
-        <p14:creationId xmlns:p14="http://schemas.microsoft.com/office/powerpoint/2010/main" val="3281491875"/>
+        <p14:creationId xmlns:p14="http://schemas.microsoft.com/office/powerpoint/2010/main" val="3787641122"/>
       </p:ext>
     </p:extLst>
   </p:cSld>
@@ -2323,17 +2437,1680 @@
           <a:lstStyle/>
           <a:p>
             <a:r>
-              <a:rPr lang="en-US" altLang="zh-CN" dirty="0" smtClean="0"/>
-              <a:t>HTML</a:t>
+              <a:rPr lang="zh-CN" altLang="en-US" dirty="0" smtClean="0"/>
+              <a:t>例子</a:t>
             </a:r>
             <a:endParaRPr lang="en-US" dirty="0"/>
+          </a:p>
+        </p:txBody>
+      </p:sp>
+      <p:sp>
+        <p:nvSpPr>
+          <p:cNvPr id="3" name="テキスト ボックス 2"/>
+          <p:cNvSpPr txBox="1"/>
+          <p:nvPr/>
+        </p:nvSpPr>
+        <p:spPr>
+          <a:xfrm>
+            <a:off x="611560" y="1563638"/>
+            <a:ext cx="6552728" cy="2893100"/>
+          </a:xfrm>
+          <a:prstGeom prst="rect">
+            <a:avLst/>
+          </a:prstGeom>
+          <a:noFill/>
+        </p:spPr>
+        <p:txBody>
+          <a:bodyPr wrap="square" rtlCol="0">
+            <a:spAutoFit/>
+          </a:bodyPr>
+          <a:lstStyle/>
+          <a:p>
+            <a:r>
+              <a:rPr lang="zh-CN" altLang="en-US" dirty="0" smtClean="0"/>
+              <a:t>简单的</a:t>
+            </a:r>
+            <a:r>
+              <a:rPr lang="en-US" altLang="zh-CN" dirty="0" smtClean="0"/>
+              <a:t>hello world</a:t>
+            </a:r>
+            <a:r>
+              <a:rPr lang="zh-CN" altLang="en-US" dirty="0" smtClean="0"/>
+              <a:t>网页</a:t>
+            </a:r>
+            <a:endParaRPr lang="en-US" altLang="zh-CN" dirty="0" smtClean="0"/>
+          </a:p>
+          <a:p>
+            <a:endParaRPr lang="en-US" dirty="0"/>
+          </a:p>
+          <a:p>
+            <a:r>
+              <a:rPr lang="en-US" dirty="0" smtClean="0"/>
+              <a:t>1.</a:t>
+            </a:r>
+            <a:r>
+              <a:rPr lang="zh-CN" altLang="en-US" dirty="0" smtClean="0"/>
+              <a:t>打开任意文本编辑器（</a:t>
+            </a:r>
+            <a:r>
+              <a:rPr lang="en-US" altLang="zh-CN" dirty="0" smtClean="0"/>
+              <a:t>eclipse</a:t>
+            </a:r>
+            <a:r>
+              <a:rPr lang="zh-CN" altLang="en-US" dirty="0" smtClean="0"/>
+              <a:t>有代码提示）</a:t>
+            </a:r>
+            <a:endParaRPr lang="en-US" altLang="zh-CN" dirty="0" smtClean="0"/>
+          </a:p>
+          <a:p>
+            <a:endParaRPr lang="en-US" altLang="zh-CN" dirty="0"/>
+          </a:p>
+          <a:p>
+            <a:r>
+              <a:rPr lang="en-US" altLang="zh-CN" dirty="0" smtClean="0"/>
+              <a:t>2.</a:t>
+            </a:r>
+            <a:r>
+              <a:rPr lang="zh-CN" altLang="en-US" dirty="0" smtClean="0"/>
+              <a:t>注意一定要有</a:t>
+            </a:r>
+            <a:endParaRPr lang="en-US" altLang="zh-CN" dirty="0" smtClean="0"/>
+          </a:p>
+          <a:p>
+            <a:r>
+              <a:rPr lang="en-US" altLang="zh-CN" dirty="0" smtClean="0"/>
+              <a:t>&lt;html&gt;</a:t>
+            </a:r>
+          </a:p>
+          <a:p>
+            <a:r>
+              <a:rPr lang="en-US" altLang="zh-CN" dirty="0" smtClean="0"/>
+              <a:t>&lt;body&gt;</a:t>
+            </a:r>
+          </a:p>
+          <a:p>
+            <a:r>
+              <a:rPr lang="en-US" altLang="zh-CN" dirty="0" smtClean="0"/>
+              <a:t>&lt;/body&gt;</a:t>
+            </a:r>
+          </a:p>
+          <a:p>
+            <a:r>
+              <a:rPr lang="en-US" altLang="zh-CN" dirty="0" smtClean="0"/>
+              <a:t>&lt;/html&gt;</a:t>
+            </a:r>
+          </a:p>
+          <a:p>
+            <a:endParaRPr lang="en-US" altLang="zh-CN" dirty="0"/>
+          </a:p>
+          <a:p>
+            <a:r>
+              <a:rPr lang="en-US" altLang="zh-CN" dirty="0" smtClean="0"/>
+              <a:t>3.&lt;head&gt;</a:t>
+            </a:r>
+            <a:r>
+              <a:rPr lang="zh-CN" altLang="en-US" dirty="0" smtClean="0"/>
+              <a:t>元素可有可无，但基本上必须有，用来定义标题和元信息（如编码）</a:t>
+            </a:r>
+            <a:endParaRPr lang="en-US" altLang="zh-CN" dirty="0" smtClean="0"/>
+          </a:p>
+          <a:p>
+            <a:endParaRPr lang="en-US" altLang="zh-CN" dirty="0"/>
+          </a:p>
+          <a:p>
+            <a:r>
+              <a:rPr lang="en-US" altLang="zh-CN" dirty="0" smtClean="0"/>
+              <a:t>4.</a:t>
+            </a:r>
+            <a:r>
+              <a:rPr lang="zh-CN" altLang="en-US" dirty="0" smtClean="0"/>
+              <a:t>尝试使用</a:t>
+            </a:r>
+            <a:r>
+              <a:rPr lang="en-US" altLang="zh-CN" dirty="0" smtClean="0"/>
+              <a:t>&lt;h1&gt;,&lt;div&gt;,</a:t>
+            </a:r>
+            <a:r>
+              <a:rPr lang="zh-CN" altLang="en-US" dirty="0" smtClean="0"/>
+              <a:t>和</a:t>
+            </a:r>
+            <a:r>
+              <a:rPr lang="en-US" altLang="zh-CN" dirty="0" smtClean="0"/>
+              <a:t>&lt;span&gt;</a:t>
+            </a:r>
+            <a:r>
+              <a:rPr lang="zh-CN" altLang="en-US" dirty="0" smtClean="0"/>
+              <a:t>元素</a:t>
+            </a:r>
+            <a:endParaRPr lang="en-US" altLang="zh-CN" dirty="0" smtClean="0"/>
           </a:p>
         </p:txBody>
       </p:sp>
     </p:spTree>
     <p:extLst>
       <p:ext uri="{BB962C8B-B14F-4D97-AF65-F5344CB8AC3E}">
-        <p14:creationId xmlns:p14="http://schemas.microsoft.com/office/powerpoint/2010/main" val="3787641122"/>
+        <p14:creationId xmlns:p14="http://schemas.microsoft.com/office/powerpoint/2010/main" val="486657935"/>
+      </p:ext>
+    </p:extLst>
+  </p:cSld>
+  <p:clrMapOvr>
+    <a:masterClrMapping/>
+  </p:clrMapOvr>
+</p:sld>
+</file>
+
+<file path=ppt/slides/slide13.xml><?xml version="1.0" encoding="utf-8"?>
+<p:sld xmlns:a="http://schemas.openxmlformats.org/drawingml/2006/main" xmlns:r="http://schemas.openxmlformats.org/officeDocument/2006/relationships" xmlns:p="http://schemas.openxmlformats.org/presentationml/2006/main">
+  <p:cSld>
+    <p:spTree>
+      <p:nvGrpSpPr>
+        <p:cNvPr id="1" name=""/>
+        <p:cNvGrpSpPr/>
+        <p:nvPr/>
+      </p:nvGrpSpPr>
+      <p:grpSpPr>
+        <a:xfrm>
+          <a:off x="0" y="0"/>
+          <a:ext cx="0" cy="0"/>
+          <a:chOff x="0" y="0"/>
+          <a:chExt cx="0" cy="0"/>
+        </a:xfrm>
+      </p:grpSpPr>
+      <p:sp>
+        <p:nvSpPr>
+          <p:cNvPr id="2" name="タイトル 1"/>
+          <p:cNvSpPr>
+            <a:spLocks noGrp="1"/>
+          </p:cNvSpPr>
+          <p:nvPr>
+            <p:ph type="title"/>
+          </p:nvPr>
+        </p:nvSpPr>
+        <p:spPr/>
+        <p:txBody>
+          <a:bodyPr/>
+          <a:lstStyle/>
+          <a:p>
+            <a:r>
+              <a:rPr lang="en-US" altLang="zh-CN" dirty="0" smtClean="0"/>
+              <a:t>HTML</a:t>
+            </a:r>
+            <a:r>
+              <a:rPr lang="zh-CN" altLang="en-US" dirty="0" smtClean="0"/>
+              <a:t>重要概念</a:t>
+            </a:r>
+            <a:endParaRPr lang="en-US" dirty="0"/>
+          </a:p>
+        </p:txBody>
+      </p:sp>
+      <p:sp>
+        <p:nvSpPr>
+          <p:cNvPr id="3" name="テキスト ボックス 2"/>
+          <p:cNvSpPr txBox="1"/>
+          <p:nvPr/>
+        </p:nvSpPr>
+        <p:spPr>
+          <a:xfrm>
+            <a:off x="827584" y="1419622"/>
+            <a:ext cx="5472608" cy="3754874"/>
+          </a:xfrm>
+          <a:prstGeom prst="rect">
+            <a:avLst/>
+          </a:prstGeom>
+          <a:noFill/>
+        </p:spPr>
+        <p:txBody>
+          <a:bodyPr wrap="square" rtlCol="0">
+            <a:spAutoFit/>
+          </a:bodyPr>
+          <a:lstStyle/>
+          <a:p>
+            <a:r>
+              <a:rPr lang="en-US" dirty="0" smtClean="0"/>
+              <a:t>1</a:t>
+            </a:r>
+            <a:r>
+              <a:rPr lang="en-US" altLang="zh-CN" dirty="0" smtClean="0"/>
+              <a:t>.</a:t>
+            </a:r>
+            <a:r>
+              <a:rPr lang="zh-CN" altLang="en-US" dirty="0" smtClean="0"/>
+              <a:t>属性</a:t>
+            </a:r>
+            <a:endParaRPr lang="en-US" altLang="zh-CN" dirty="0" smtClean="0"/>
+          </a:p>
+          <a:p>
+            <a:r>
+              <a:rPr lang="zh-CN" altLang="en-US" dirty="0" smtClean="0"/>
+              <a:t>当使用</a:t>
+            </a:r>
+            <a:r>
+              <a:rPr lang="en-US" altLang="zh-CN" dirty="0" smtClean="0"/>
+              <a:t>eclipse</a:t>
+            </a:r>
+            <a:r>
+              <a:rPr lang="zh-CN" altLang="en-US" dirty="0" smtClean="0"/>
+              <a:t>代码提示的时候，可以看到很多元素都有很多属性</a:t>
+            </a:r>
+            <a:endParaRPr lang="en-US" altLang="zh-CN" dirty="0" smtClean="0"/>
+          </a:p>
+          <a:p>
+            <a:r>
+              <a:rPr lang="zh-CN" altLang="en-US" dirty="0" smtClean="0"/>
+              <a:t>绝大多数属性是不会被用到的，因此不用去背但需要记住常用属性</a:t>
+            </a:r>
+            <a:endParaRPr lang="en-US" altLang="zh-CN" dirty="0" smtClean="0"/>
+          </a:p>
+          <a:p>
+            <a:r>
+              <a:rPr lang="en-US" dirty="0">
+                <a:hlinkClick r:id="rId2"/>
+              </a:rPr>
+              <a:t>http://www.w3school.com.cn</a:t>
+            </a:r>
+            <a:r>
+              <a:rPr lang="en-US" dirty="0" smtClean="0">
+                <a:hlinkClick r:id="rId2"/>
+              </a:rPr>
+              <a:t>/</a:t>
+            </a:r>
+            <a:endParaRPr lang="en-US" dirty="0" smtClean="0"/>
+          </a:p>
+          <a:p>
+            <a:endParaRPr lang="en-US" dirty="0"/>
+          </a:p>
+          <a:p>
+            <a:r>
+              <a:rPr lang="en-US" dirty="0" smtClean="0"/>
+              <a:t>2</a:t>
+            </a:r>
+            <a:r>
+              <a:rPr lang="en-US" altLang="zh-CN" dirty="0" smtClean="0"/>
+              <a:t>.</a:t>
+            </a:r>
+            <a:r>
+              <a:rPr lang="zh-CN" altLang="en-US" dirty="0" smtClean="0"/>
+              <a:t>行内元素（</a:t>
+            </a:r>
+            <a:r>
+              <a:rPr lang="en-US" altLang="zh-CN" dirty="0" smtClean="0"/>
+              <a:t>inline</a:t>
+            </a:r>
+            <a:r>
+              <a:rPr lang="zh-CN" altLang="en-US" dirty="0" smtClean="0"/>
+              <a:t>）和块元素（非常重要）</a:t>
+            </a:r>
+            <a:endParaRPr lang="en-US" altLang="zh-CN" dirty="0" smtClean="0"/>
+          </a:p>
+          <a:p>
+            <a:r>
+              <a:rPr lang="zh-CN" altLang="en-US" dirty="0" smtClean="0"/>
+              <a:t>行内元素之间不换行</a:t>
+            </a:r>
+            <a:endParaRPr lang="en-US" altLang="zh-CN" dirty="0" smtClean="0"/>
+          </a:p>
+          <a:p>
+            <a:r>
+              <a:rPr lang="en-US" altLang="zh-CN" dirty="0" smtClean="0"/>
+              <a:t>&lt;span&gt;aa&lt;/span&gt;&lt;span&gt;bb&lt;/span&gt;</a:t>
+            </a:r>
+          </a:p>
+          <a:p>
+            <a:r>
+              <a:rPr lang="zh-CN" altLang="en-US" dirty="0" smtClean="0"/>
+              <a:t>行内元素的高度和宽度根据其内部包含的文字决定，手动设定也无效</a:t>
+            </a:r>
+            <a:endParaRPr lang="en-US" altLang="zh-CN" dirty="0" smtClean="0"/>
+          </a:p>
+          <a:p>
+            <a:endParaRPr lang="en-US" altLang="zh-CN" dirty="0" smtClean="0"/>
+          </a:p>
+          <a:p>
+            <a:r>
+              <a:rPr lang="zh-CN" altLang="en-US" dirty="0" smtClean="0"/>
+              <a:t>块元素元素之间会换行</a:t>
+            </a:r>
+            <a:endParaRPr lang="en-US" altLang="zh-CN" dirty="0"/>
+          </a:p>
+          <a:p>
+            <a:r>
+              <a:rPr lang="en-US" altLang="zh-CN" dirty="0" smtClean="0"/>
+              <a:t>&lt;div&gt;</a:t>
+            </a:r>
+            <a:r>
+              <a:rPr lang="en-US" altLang="zh-CN" dirty="0" err="1" smtClean="0"/>
+              <a:t>divdivdiv</a:t>
+            </a:r>
+            <a:r>
+              <a:rPr lang="en-US" altLang="zh-CN" dirty="0" smtClean="0"/>
+              <a:t>&lt;/div&gt;&lt;p&gt;</a:t>
+            </a:r>
+            <a:r>
+              <a:rPr lang="en-US" altLang="zh-CN" dirty="0" err="1" smtClean="0"/>
+              <a:t>pppp</a:t>
+            </a:r>
+            <a:r>
+              <a:rPr lang="en-US" altLang="zh-CN" dirty="0" smtClean="0"/>
+              <a:t>&lt;/p&gt;&lt;h1&gt;h1h1h1&lt;/h1&gt;</a:t>
+            </a:r>
+          </a:p>
+          <a:p>
+            <a:r>
+              <a:rPr lang="zh-CN" altLang="en-US" dirty="0"/>
+              <a:t>块</a:t>
+            </a:r>
+            <a:r>
+              <a:rPr lang="zh-CN" altLang="en-US" dirty="0" smtClean="0"/>
+              <a:t>元素的宽度和高度都可以随意设定</a:t>
+            </a:r>
+            <a:r>
+              <a:rPr lang="en-US" altLang="zh-CN" dirty="0" smtClean="0"/>
+              <a:t>,</a:t>
+            </a:r>
+            <a:r>
+              <a:rPr lang="zh-CN" altLang="en-US" dirty="0" smtClean="0"/>
+              <a:t>如果不设定的话，高度为子元素所占据的高度，宽度为父元素的</a:t>
+            </a:r>
+            <a:r>
+              <a:rPr lang="en-US" altLang="zh-CN" dirty="0" smtClean="0"/>
+              <a:t>100%</a:t>
+            </a:r>
+          </a:p>
+          <a:p>
+            <a:r>
+              <a:rPr lang="zh-CN" altLang="en-US" dirty="0" smtClean="0"/>
+              <a:t>常见行内元素</a:t>
+            </a:r>
+            <a:r>
+              <a:rPr lang="en-US" altLang="zh-CN" dirty="0" smtClean="0"/>
+              <a:t>:</a:t>
+            </a:r>
+            <a:r>
+              <a:rPr lang="en-US" altLang="zh-CN" dirty="0" err="1" smtClean="0"/>
+              <a:t>span,a</a:t>
+            </a:r>
+            <a:endParaRPr lang="en-US" altLang="zh-CN" dirty="0" smtClean="0"/>
+          </a:p>
+          <a:p>
+            <a:r>
+              <a:rPr lang="zh-CN" altLang="en-US" dirty="0" smtClean="0"/>
+              <a:t>常见块元素：</a:t>
+            </a:r>
+            <a:r>
+              <a:rPr lang="en-US" altLang="zh-CN" dirty="0" smtClean="0"/>
+              <a:t>div,p,h1</a:t>
+            </a:r>
+            <a:endParaRPr lang="en-US" dirty="0"/>
+          </a:p>
+        </p:txBody>
+      </p:sp>
+    </p:spTree>
+    <p:extLst>
+      <p:ext uri="{BB962C8B-B14F-4D97-AF65-F5344CB8AC3E}">
+        <p14:creationId xmlns:p14="http://schemas.microsoft.com/office/powerpoint/2010/main" val="3520049823"/>
+      </p:ext>
+    </p:extLst>
+  </p:cSld>
+  <p:clrMapOvr>
+    <a:masterClrMapping/>
+  </p:clrMapOvr>
+</p:sld>
+</file>
+
+<file path=ppt/slides/slide14.xml><?xml version="1.0" encoding="utf-8"?>
+<p:sld xmlns:a="http://schemas.openxmlformats.org/drawingml/2006/main" xmlns:r="http://schemas.openxmlformats.org/officeDocument/2006/relationships" xmlns:p="http://schemas.openxmlformats.org/presentationml/2006/main">
+  <p:cSld>
+    <p:spTree>
+      <p:nvGrpSpPr>
+        <p:cNvPr id="1" name=""/>
+        <p:cNvGrpSpPr/>
+        <p:nvPr/>
+      </p:nvGrpSpPr>
+      <p:grpSpPr>
+        <a:xfrm>
+          <a:off x="0" y="0"/>
+          <a:ext cx="0" cy="0"/>
+          <a:chOff x="0" y="0"/>
+          <a:chExt cx="0" cy="0"/>
+        </a:xfrm>
+      </p:grpSpPr>
+      <p:sp>
+        <p:nvSpPr>
+          <p:cNvPr id="2" name="タイトル 1"/>
+          <p:cNvSpPr>
+            <a:spLocks noGrp="1"/>
+          </p:cNvSpPr>
+          <p:nvPr>
+            <p:ph type="title"/>
+          </p:nvPr>
+        </p:nvSpPr>
+        <p:spPr/>
+        <p:txBody>
+          <a:bodyPr/>
+          <a:lstStyle/>
+          <a:p>
+            <a:r>
+              <a:rPr lang="en-US" dirty="0" err="1" smtClean="0"/>
+              <a:t>css</a:t>
+            </a:r>
+            <a:endParaRPr lang="en-US" dirty="0"/>
+          </a:p>
+        </p:txBody>
+      </p:sp>
+      <p:sp>
+        <p:nvSpPr>
+          <p:cNvPr id="3" name="テキスト ボックス 2"/>
+          <p:cNvSpPr txBox="1"/>
+          <p:nvPr/>
+        </p:nvSpPr>
+        <p:spPr>
+          <a:xfrm>
+            <a:off x="323528" y="1275606"/>
+            <a:ext cx="8064896" cy="4185761"/>
+          </a:xfrm>
+          <a:prstGeom prst="rect">
+            <a:avLst/>
+          </a:prstGeom>
+          <a:noFill/>
+        </p:spPr>
+        <p:txBody>
+          <a:bodyPr wrap="square" rtlCol="0">
+            <a:spAutoFit/>
+          </a:bodyPr>
+          <a:lstStyle/>
+          <a:p>
+            <a:r>
+              <a:rPr lang="en-US" altLang="zh-CN" dirty="0" smtClean="0"/>
+              <a:t>cascade style sheet</a:t>
+            </a:r>
+          </a:p>
+          <a:p>
+            <a:r>
+              <a:rPr lang="zh-CN" altLang="en-US" dirty="0" smtClean="0"/>
+              <a:t>作用</a:t>
+            </a:r>
+            <a:endParaRPr lang="en-US" altLang="zh-CN" dirty="0" smtClean="0"/>
+          </a:p>
+          <a:p>
+            <a:r>
+              <a:rPr lang="zh-CN" altLang="en-US" dirty="0" smtClean="0"/>
+              <a:t>用来润</a:t>
+            </a:r>
+            <a:r>
+              <a:rPr lang="zh-CN" altLang="en-US" dirty="0"/>
+              <a:t>色</a:t>
+            </a:r>
+            <a:r>
+              <a:rPr lang="zh-CN" altLang="en-US" dirty="0" smtClean="0"/>
+              <a:t>元素的外观</a:t>
+            </a:r>
+            <a:endParaRPr lang="en-US" altLang="zh-CN" dirty="0" smtClean="0"/>
+          </a:p>
+          <a:p>
+            <a:endParaRPr lang="en-US" altLang="zh-CN" dirty="0"/>
+          </a:p>
+          <a:p>
+            <a:r>
+              <a:rPr lang="zh-CN" altLang="en-US" dirty="0" smtClean="0"/>
+              <a:t>概念，子元素和父元素</a:t>
+            </a:r>
+            <a:endParaRPr lang="en-US" altLang="zh-CN" dirty="0" smtClean="0"/>
+          </a:p>
+          <a:p>
+            <a:r>
+              <a:rPr lang="en-US" altLang="zh-CN" dirty="0" smtClean="0"/>
+              <a:t>&lt;body&gt;</a:t>
+            </a:r>
+          </a:p>
+          <a:p>
+            <a:r>
+              <a:rPr lang="en-US" altLang="zh-CN" dirty="0"/>
+              <a:t> </a:t>
+            </a:r>
+            <a:r>
+              <a:rPr lang="en-US" altLang="zh-CN" dirty="0" smtClean="0"/>
+              <a:t>  &lt;div&gt;&lt;/div&gt;</a:t>
+            </a:r>
+          </a:p>
+          <a:p>
+            <a:r>
+              <a:rPr lang="en-US" altLang="zh-CN" dirty="0" smtClean="0"/>
+              <a:t>&lt;/body&gt;</a:t>
+            </a:r>
+          </a:p>
+          <a:p>
+            <a:r>
+              <a:rPr lang="zh-CN" altLang="en-US" dirty="0" smtClean="0"/>
+              <a:t>那么</a:t>
+            </a:r>
+            <a:r>
+              <a:rPr lang="en-US" altLang="zh-CN" dirty="0" smtClean="0"/>
+              <a:t>body</a:t>
+            </a:r>
+            <a:r>
+              <a:rPr lang="zh-CN" altLang="en-US" dirty="0" smtClean="0"/>
+              <a:t>就是</a:t>
+            </a:r>
+            <a:r>
+              <a:rPr lang="en-US" altLang="zh-CN" dirty="0" smtClean="0"/>
+              <a:t>div</a:t>
+            </a:r>
+            <a:r>
+              <a:rPr lang="zh-CN" altLang="en-US" dirty="0" smtClean="0"/>
+              <a:t>的父元素</a:t>
+            </a:r>
+            <a:endParaRPr lang="en-US" altLang="zh-CN" dirty="0"/>
+          </a:p>
+          <a:p>
+            <a:endParaRPr lang="en-US" altLang="zh-CN" dirty="0" smtClean="0"/>
+          </a:p>
+          <a:p>
+            <a:endParaRPr lang="en-US" altLang="zh-CN" dirty="0" smtClean="0"/>
+          </a:p>
+          <a:p>
+            <a:r>
+              <a:rPr lang="zh-CN" altLang="en-US" dirty="0" smtClean="0"/>
+              <a:t>名称的由来</a:t>
+            </a:r>
+            <a:endParaRPr lang="en-US" altLang="zh-CN" dirty="0" smtClean="0"/>
+          </a:p>
+          <a:p>
+            <a:r>
+              <a:rPr lang="zh-CN" altLang="en-US" dirty="0" smtClean="0"/>
+              <a:t>层叠式样式表，为何那么叫？</a:t>
+            </a:r>
+            <a:endParaRPr lang="en-US" altLang="zh-CN" dirty="0" smtClean="0"/>
+          </a:p>
+          <a:p>
+            <a:r>
+              <a:rPr lang="en-US" altLang="zh-CN" dirty="0" smtClean="0"/>
+              <a:t>1.</a:t>
+            </a:r>
+            <a:r>
+              <a:rPr lang="zh-CN" altLang="en-US" dirty="0" smtClean="0"/>
+              <a:t>子元素可以继承父元素的属性（和</a:t>
+            </a:r>
+            <a:r>
+              <a:rPr lang="en-US" altLang="zh-CN" dirty="0" smtClean="0"/>
+              <a:t>Java</a:t>
+            </a:r>
+            <a:r>
+              <a:rPr lang="zh-CN" altLang="en-US" dirty="0" smtClean="0"/>
+              <a:t>中的</a:t>
+            </a:r>
+            <a:r>
+              <a:rPr lang="en-US" altLang="zh-CN" dirty="0" smtClean="0"/>
+              <a:t>extends</a:t>
+            </a:r>
+            <a:r>
+              <a:rPr lang="zh-CN" altLang="en-US" dirty="0" smtClean="0"/>
+              <a:t>很像</a:t>
+            </a:r>
+            <a:r>
+              <a:rPr lang="en-US" altLang="zh-CN" dirty="0" smtClean="0"/>
+              <a:t>),</a:t>
+            </a:r>
+            <a:r>
+              <a:rPr lang="zh-CN" altLang="en-US" dirty="0" smtClean="0"/>
+              <a:t>这样子元素就不用重复定义属性了</a:t>
+            </a:r>
+            <a:endParaRPr lang="en-US" altLang="zh-CN" dirty="0" smtClean="0"/>
+          </a:p>
+          <a:p>
+            <a:r>
+              <a:rPr lang="en-US" altLang="zh-CN" dirty="0" smtClean="0"/>
+              <a:t>2.</a:t>
+            </a:r>
+            <a:r>
+              <a:rPr lang="zh-CN" altLang="en-US" dirty="0" smtClean="0"/>
+              <a:t>子元素可以擦除父元素的属性（和</a:t>
+            </a:r>
+            <a:r>
+              <a:rPr lang="en-US" altLang="zh-CN" dirty="0" smtClean="0"/>
+              <a:t>Java</a:t>
+            </a:r>
+            <a:r>
+              <a:rPr lang="zh-CN" altLang="en-US" dirty="0" smtClean="0"/>
+              <a:t>中的</a:t>
+            </a:r>
+            <a:r>
+              <a:rPr lang="en-US" altLang="zh-CN" dirty="0" smtClean="0"/>
+              <a:t>Override</a:t>
+            </a:r>
+            <a:r>
+              <a:rPr lang="zh-CN" altLang="en-US" dirty="0" smtClean="0"/>
+              <a:t>，重写很像）</a:t>
+            </a:r>
+            <a:endParaRPr lang="en-US" altLang="zh-CN" dirty="0" smtClean="0"/>
+          </a:p>
+          <a:p>
+            <a:r>
+              <a:rPr lang="en-US" altLang="zh-CN" dirty="0" smtClean="0"/>
+              <a:t>3.</a:t>
+            </a:r>
+            <a:r>
+              <a:rPr lang="zh-CN" altLang="en-US" dirty="0" smtClean="0"/>
+              <a:t>更严密的规则会覆盖较为宽松的规则（后续介绍）</a:t>
+            </a:r>
+            <a:endParaRPr lang="en-US" altLang="zh-CN" dirty="0" smtClean="0"/>
+          </a:p>
+          <a:p>
+            <a:r>
+              <a:rPr lang="en-US" altLang="zh-CN" dirty="0" smtClean="0"/>
+              <a:t>4.</a:t>
+            </a:r>
+            <a:r>
+              <a:rPr lang="zh-CN" altLang="en-US" dirty="0" smtClean="0"/>
+              <a:t>如果两个规则完全相同的话，那么出现在后面的规则会覆盖前面的规则</a:t>
+            </a:r>
+            <a:endParaRPr lang="en-US" altLang="zh-CN" dirty="0"/>
+          </a:p>
+          <a:p>
+            <a:endParaRPr lang="en-US" altLang="zh-CN" dirty="0" smtClean="0"/>
+          </a:p>
+          <a:p>
+            <a:endParaRPr lang="en-US" dirty="0"/>
+          </a:p>
+        </p:txBody>
+      </p:sp>
+    </p:spTree>
+    <p:extLst>
+      <p:ext uri="{BB962C8B-B14F-4D97-AF65-F5344CB8AC3E}">
+        <p14:creationId xmlns:p14="http://schemas.microsoft.com/office/powerpoint/2010/main" val="2942929183"/>
+      </p:ext>
+    </p:extLst>
+  </p:cSld>
+  <p:clrMapOvr>
+    <a:masterClrMapping/>
+  </p:clrMapOvr>
+</p:sld>
+</file>
+
+<file path=ppt/slides/slide15.xml><?xml version="1.0" encoding="utf-8"?>
+<p:sld xmlns:a="http://schemas.openxmlformats.org/drawingml/2006/main" xmlns:r="http://schemas.openxmlformats.org/officeDocument/2006/relationships" xmlns:p="http://schemas.openxmlformats.org/presentationml/2006/main">
+  <p:cSld>
+    <p:spTree>
+      <p:nvGrpSpPr>
+        <p:cNvPr id="1" name=""/>
+        <p:cNvGrpSpPr/>
+        <p:nvPr/>
+      </p:nvGrpSpPr>
+      <p:grpSpPr>
+        <a:xfrm>
+          <a:off x="0" y="0"/>
+          <a:ext cx="0" cy="0"/>
+          <a:chOff x="0" y="0"/>
+          <a:chExt cx="0" cy="0"/>
+        </a:xfrm>
+      </p:grpSpPr>
+      <p:sp>
+        <p:nvSpPr>
+          <p:cNvPr id="2" name="タイトル 1"/>
+          <p:cNvSpPr>
+            <a:spLocks noGrp="1"/>
+          </p:cNvSpPr>
+          <p:nvPr>
+            <p:ph type="title"/>
+          </p:nvPr>
+        </p:nvSpPr>
+        <p:spPr/>
+        <p:txBody>
+          <a:bodyPr/>
+          <a:lstStyle/>
+          <a:p>
+            <a:r>
+              <a:rPr lang="en-US" dirty="0" err="1" smtClean="0"/>
+              <a:t>Css</a:t>
+            </a:r>
+            <a:r>
+              <a:rPr lang="zh-CN" altLang="en-US" dirty="0" smtClean="0"/>
+              <a:t>规则</a:t>
+            </a:r>
+            <a:endParaRPr lang="en-US" dirty="0"/>
+          </a:p>
+        </p:txBody>
+      </p:sp>
+      <p:sp>
+        <p:nvSpPr>
+          <p:cNvPr id="3" name="テキスト ボックス 2"/>
+          <p:cNvSpPr txBox="1"/>
+          <p:nvPr/>
+        </p:nvSpPr>
+        <p:spPr>
+          <a:xfrm>
+            <a:off x="462588" y="1468006"/>
+            <a:ext cx="6336704" cy="2677656"/>
+          </a:xfrm>
+          <a:prstGeom prst="rect">
+            <a:avLst/>
+          </a:prstGeom>
+          <a:noFill/>
+        </p:spPr>
+        <p:txBody>
+          <a:bodyPr wrap="square" rtlCol="0">
+            <a:spAutoFit/>
+          </a:bodyPr>
+          <a:lstStyle/>
+          <a:p>
+            <a:r>
+              <a:rPr lang="zh-CN" altLang="en-US" sz="2800" b="1" dirty="0" smtClean="0"/>
+              <a:t>简单规则</a:t>
+            </a:r>
+            <a:endParaRPr lang="en-US" altLang="zh-CN" sz="2800" b="1" dirty="0" smtClean="0"/>
+          </a:p>
+          <a:p>
+            <a:endParaRPr lang="en-US" altLang="zh-CN" dirty="0" smtClean="0"/>
+          </a:p>
+          <a:p>
+            <a:r>
+              <a:rPr lang="en-US" altLang="zh-CN" dirty="0" smtClean="0"/>
+              <a:t>#</a:t>
+            </a:r>
+            <a:r>
+              <a:rPr lang="zh-CN" altLang="en-US" dirty="0"/>
+              <a:t>代表</a:t>
+            </a:r>
+            <a:r>
+              <a:rPr lang="en-US" altLang="zh-CN" dirty="0"/>
+              <a:t>id</a:t>
+            </a:r>
+            <a:r>
+              <a:rPr lang="zh-CN" altLang="en-US" dirty="0"/>
+              <a:t>，一个</a:t>
+            </a:r>
+            <a:r>
+              <a:rPr lang="en-US" altLang="zh-CN" dirty="0"/>
+              <a:t>html</a:t>
+            </a:r>
+            <a:r>
+              <a:rPr lang="zh-CN" altLang="en-US" dirty="0"/>
+              <a:t>文件中同一</a:t>
+            </a:r>
+            <a:r>
+              <a:rPr lang="en-US" altLang="zh-CN" dirty="0"/>
+              <a:t>id</a:t>
+            </a:r>
+            <a:r>
+              <a:rPr lang="zh-CN" altLang="en-US" dirty="0"/>
+              <a:t>元素只能有一个</a:t>
+            </a:r>
+            <a:r>
+              <a:rPr lang="en-US" altLang="zh-CN" dirty="0"/>
+              <a:t>,</a:t>
+            </a:r>
+            <a:r>
+              <a:rPr lang="zh-CN" altLang="en-US" dirty="0"/>
+              <a:t>如 </a:t>
+            </a:r>
+            <a:r>
+              <a:rPr lang="en-US" altLang="zh-CN" dirty="0"/>
+              <a:t>&lt;div id=“aa”&gt;</a:t>
+            </a:r>
+          </a:p>
+          <a:p>
+            <a:endParaRPr lang="en-US" altLang="zh-CN" dirty="0"/>
+          </a:p>
+          <a:p>
+            <a:r>
+              <a:rPr lang="en-US" altLang="zh-CN" dirty="0"/>
+              <a:t>.class</a:t>
+            </a:r>
+            <a:r>
+              <a:rPr lang="zh-CN" altLang="en-US" dirty="0"/>
+              <a:t>代表类，即一类元素，一个</a:t>
+            </a:r>
+            <a:r>
+              <a:rPr lang="en-US" altLang="zh-CN" dirty="0"/>
+              <a:t>html</a:t>
+            </a:r>
+            <a:r>
+              <a:rPr lang="zh-CN" altLang="en-US" dirty="0"/>
+              <a:t>中可以有任意多个元素拥有相同的类，并且一个元素可以有多个类，并且即可拥有</a:t>
+            </a:r>
+            <a:r>
+              <a:rPr lang="en-US" altLang="zh-CN" dirty="0"/>
+              <a:t>id</a:t>
+            </a:r>
+            <a:r>
+              <a:rPr lang="zh-CN" altLang="en-US" dirty="0"/>
+              <a:t>又有</a:t>
+            </a:r>
+            <a:r>
+              <a:rPr lang="en-US" altLang="zh-CN" dirty="0"/>
+              <a:t>class</a:t>
+            </a:r>
+            <a:r>
+              <a:rPr lang="zh-CN" altLang="en-US" dirty="0"/>
+              <a:t>，如</a:t>
+            </a:r>
+            <a:r>
+              <a:rPr lang="en-US" altLang="zh-CN" dirty="0"/>
+              <a:t>&lt;div class=“</a:t>
+            </a:r>
+            <a:r>
+              <a:rPr lang="en-US" altLang="zh-CN" dirty="0" err="1"/>
+              <a:t>classA</a:t>
+            </a:r>
+            <a:r>
+              <a:rPr lang="en-US" altLang="zh-CN" dirty="0"/>
+              <a:t> </a:t>
+            </a:r>
+            <a:r>
+              <a:rPr lang="en-US" altLang="zh-CN" dirty="0" err="1"/>
+              <a:t>classB</a:t>
+            </a:r>
+            <a:r>
+              <a:rPr lang="en-US" altLang="zh-CN" dirty="0"/>
+              <a:t>” id=“aa”&gt; </a:t>
+            </a:r>
+          </a:p>
+          <a:p>
+            <a:endParaRPr lang="en-US" altLang="zh-CN" dirty="0"/>
+          </a:p>
+          <a:p>
+            <a:r>
+              <a:rPr lang="zh-CN" altLang="en-US" dirty="0"/>
+              <a:t>元素名，即为代表该元素的所有实例定义样式</a:t>
+            </a:r>
+            <a:endParaRPr lang="en-US" altLang="zh-CN" dirty="0"/>
+          </a:p>
+          <a:p>
+            <a:endParaRPr lang="en-US" dirty="0" smtClean="0"/>
+          </a:p>
+          <a:p>
+            <a:r>
+              <a:rPr lang="zh-CN" altLang="en-US" dirty="0" smtClean="0"/>
+              <a:t>伪规则（高级话题，项目中讲）</a:t>
+            </a:r>
+            <a:endParaRPr lang="en-US" altLang="zh-CN" dirty="0" smtClean="0"/>
+          </a:p>
+        </p:txBody>
+      </p:sp>
+    </p:spTree>
+    <p:extLst>
+      <p:ext uri="{BB962C8B-B14F-4D97-AF65-F5344CB8AC3E}">
+        <p14:creationId xmlns:p14="http://schemas.microsoft.com/office/powerpoint/2010/main" val="3658671621"/>
+      </p:ext>
+    </p:extLst>
+  </p:cSld>
+  <p:clrMapOvr>
+    <a:masterClrMapping/>
+  </p:clrMapOvr>
+</p:sld>
+</file>
+
+<file path=ppt/slides/slide16.xml><?xml version="1.0" encoding="utf-8"?>
+<p:sld xmlns:a="http://schemas.openxmlformats.org/drawingml/2006/main" xmlns:r="http://schemas.openxmlformats.org/officeDocument/2006/relationships" xmlns:p="http://schemas.openxmlformats.org/presentationml/2006/main">
+  <p:cSld>
+    <p:spTree>
+      <p:nvGrpSpPr>
+        <p:cNvPr id="1" name=""/>
+        <p:cNvGrpSpPr/>
+        <p:nvPr/>
+      </p:nvGrpSpPr>
+      <p:grpSpPr>
+        <a:xfrm>
+          <a:off x="0" y="0"/>
+          <a:ext cx="0" cy="0"/>
+          <a:chOff x="0" y="0"/>
+          <a:chExt cx="0" cy="0"/>
+        </a:xfrm>
+      </p:grpSpPr>
+      <p:sp>
+        <p:nvSpPr>
+          <p:cNvPr id="2" name="タイトル 1"/>
+          <p:cNvSpPr>
+            <a:spLocks noGrp="1"/>
+          </p:cNvSpPr>
+          <p:nvPr>
+            <p:ph type="title"/>
+          </p:nvPr>
+        </p:nvSpPr>
+        <p:spPr/>
+        <p:txBody>
+          <a:bodyPr/>
+          <a:lstStyle/>
+          <a:p>
+            <a:r>
+              <a:rPr lang="zh-CN" altLang="en-US" dirty="0" smtClean="0"/>
+              <a:t>简单的例子</a:t>
+            </a:r>
+            <a:endParaRPr lang="en-US" dirty="0"/>
+          </a:p>
+        </p:txBody>
+      </p:sp>
+      <p:sp>
+        <p:nvSpPr>
+          <p:cNvPr id="3" name="テキスト ボックス 2"/>
+          <p:cNvSpPr txBox="1"/>
+          <p:nvPr/>
+        </p:nvSpPr>
+        <p:spPr>
+          <a:xfrm>
+            <a:off x="611560" y="1707654"/>
+            <a:ext cx="6336704" cy="2677656"/>
+          </a:xfrm>
+          <a:prstGeom prst="rect">
+            <a:avLst/>
+          </a:prstGeom>
+          <a:noFill/>
+        </p:spPr>
+        <p:txBody>
+          <a:bodyPr wrap="square" rtlCol="0">
+            <a:spAutoFit/>
+          </a:bodyPr>
+          <a:lstStyle/>
+          <a:p>
+            <a:r>
+              <a:rPr lang="en-US" altLang="zh-CN" dirty="0" smtClean="0"/>
+              <a:t>P{</a:t>
+            </a:r>
+          </a:p>
+          <a:p>
+            <a:r>
+              <a:rPr lang="en-US" altLang="zh-CN" dirty="0"/>
+              <a:t> </a:t>
+            </a:r>
+            <a:r>
+              <a:rPr lang="en-US" altLang="zh-CN" dirty="0" smtClean="0"/>
+              <a:t> font-size:100px;</a:t>
+            </a:r>
+          </a:p>
+          <a:p>
+            <a:r>
+              <a:rPr lang="en-US" dirty="0" smtClean="0"/>
+              <a:t>}</a:t>
+            </a:r>
+          </a:p>
+          <a:p>
+            <a:endParaRPr lang="en-US" dirty="0"/>
+          </a:p>
+          <a:p>
+            <a:endParaRPr lang="en-US" dirty="0" smtClean="0"/>
+          </a:p>
+          <a:p>
+            <a:r>
+              <a:rPr lang="en-US" dirty="0" smtClean="0"/>
+              <a:t>.test{</a:t>
+            </a:r>
+          </a:p>
+          <a:p>
+            <a:r>
+              <a:rPr lang="en-US" dirty="0"/>
+              <a:t> </a:t>
+            </a:r>
+            <a:r>
+              <a:rPr lang="en-US" dirty="0" smtClean="0"/>
+              <a:t>  color:200px;</a:t>
+            </a:r>
+          </a:p>
+          <a:p>
+            <a:r>
+              <a:rPr lang="en-US" dirty="0" smtClean="0"/>
+              <a:t>}</a:t>
+            </a:r>
+          </a:p>
+          <a:p>
+            <a:endParaRPr lang="en-US" dirty="0"/>
+          </a:p>
+          <a:p>
+            <a:r>
+              <a:rPr lang="en-US" altLang="zh-CN" dirty="0" smtClean="0"/>
+              <a:t>#my{</a:t>
+            </a:r>
+          </a:p>
+          <a:p>
+            <a:r>
+              <a:rPr lang="en-US" altLang="zh-CN" dirty="0"/>
+              <a:t> </a:t>
+            </a:r>
+            <a:r>
+              <a:rPr lang="en-US" altLang="zh-CN" dirty="0" smtClean="0"/>
+              <a:t>   border:1px solid border;</a:t>
+            </a:r>
+          </a:p>
+          <a:p>
+            <a:r>
+              <a:rPr lang="en-US" dirty="0"/>
+              <a:t>}</a:t>
+            </a:r>
+          </a:p>
+        </p:txBody>
+      </p:sp>
+    </p:spTree>
+    <p:extLst>
+      <p:ext uri="{BB962C8B-B14F-4D97-AF65-F5344CB8AC3E}">
+        <p14:creationId xmlns:p14="http://schemas.microsoft.com/office/powerpoint/2010/main" val="1979874872"/>
+      </p:ext>
+    </p:extLst>
+  </p:cSld>
+  <p:clrMapOvr>
+    <a:masterClrMapping/>
+  </p:clrMapOvr>
+</p:sld>
+</file>
+
+<file path=ppt/slides/slide17.xml><?xml version="1.0" encoding="utf-8"?>
+<p:sld xmlns:a="http://schemas.openxmlformats.org/drawingml/2006/main" xmlns:r="http://schemas.openxmlformats.org/officeDocument/2006/relationships" xmlns:p="http://schemas.openxmlformats.org/presentationml/2006/main">
+  <p:cSld>
+    <p:spTree>
+      <p:nvGrpSpPr>
+        <p:cNvPr id="1" name=""/>
+        <p:cNvGrpSpPr/>
+        <p:nvPr/>
+      </p:nvGrpSpPr>
+      <p:grpSpPr>
+        <a:xfrm>
+          <a:off x="0" y="0"/>
+          <a:ext cx="0" cy="0"/>
+          <a:chOff x="0" y="0"/>
+          <a:chExt cx="0" cy="0"/>
+        </a:xfrm>
+      </p:grpSpPr>
+      <p:sp>
+        <p:nvSpPr>
+          <p:cNvPr id="2" name="タイトル 1"/>
+          <p:cNvSpPr>
+            <a:spLocks noGrp="1"/>
+          </p:cNvSpPr>
+          <p:nvPr>
+            <p:ph type="title"/>
+          </p:nvPr>
+        </p:nvSpPr>
+        <p:spPr/>
+        <p:txBody>
+          <a:bodyPr/>
+          <a:lstStyle/>
+          <a:p>
+            <a:r>
+              <a:rPr lang="zh-CN" altLang="en-US" dirty="0" smtClean="0"/>
+              <a:t>复合规则</a:t>
+            </a:r>
+            <a:endParaRPr lang="en-US" dirty="0"/>
+          </a:p>
+        </p:txBody>
+      </p:sp>
+      <p:sp>
+        <p:nvSpPr>
+          <p:cNvPr id="4" name="テキスト ボックス 3"/>
+          <p:cNvSpPr txBox="1"/>
+          <p:nvPr/>
+        </p:nvSpPr>
+        <p:spPr>
+          <a:xfrm>
+            <a:off x="539552" y="1563638"/>
+            <a:ext cx="6552728" cy="3108543"/>
+          </a:xfrm>
+          <a:prstGeom prst="rect">
+            <a:avLst/>
+          </a:prstGeom>
+          <a:noFill/>
+        </p:spPr>
+        <p:txBody>
+          <a:bodyPr wrap="square" rtlCol="0">
+            <a:spAutoFit/>
+          </a:bodyPr>
+          <a:lstStyle/>
+          <a:p>
+            <a:r>
+              <a:rPr lang="en-US" dirty="0" err="1" smtClean="0"/>
+              <a:t>span.aa</a:t>
+            </a:r>
+            <a:r>
+              <a:rPr lang="en-US" dirty="0" smtClean="0"/>
+              <a:t>{</a:t>
+            </a:r>
+          </a:p>
+          <a:p>
+            <a:r>
+              <a:rPr lang="en-US" dirty="0"/>
+              <a:t> </a:t>
+            </a:r>
+            <a:r>
+              <a:rPr lang="en-US" dirty="0" smtClean="0"/>
+              <a:t>   </a:t>
+            </a:r>
+            <a:r>
+              <a:rPr lang="en-US" dirty="0" err="1" smtClean="0"/>
+              <a:t>color:blue</a:t>
+            </a:r>
+            <a:r>
+              <a:rPr lang="en-US" dirty="0" smtClean="0"/>
+              <a:t>;</a:t>
+            </a:r>
+          </a:p>
+          <a:p>
+            <a:r>
+              <a:rPr lang="en-US" dirty="0" smtClean="0"/>
+              <a:t>}</a:t>
+            </a:r>
+          </a:p>
+          <a:p>
+            <a:endParaRPr lang="en-US" dirty="0"/>
+          </a:p>
+          <a:p>
+            <a:endParaRPr lang="en-US" dirty="0" smtClean="0"/>
+          </a:p>
+          <a:p>
+            <a:r>
+              <a:rPr lang="en-US" dirty="0" smtClean="0"/>
+              <a:t>div .aa{</a:t>
+            </a:r>
+          </a:p>
+          <a:p>
+            <a:r>
+              <a:rPr lang="en-US" dirty="0" smtClean="0"/>
+              <a:t>  </a:t>
+            </a:r>
+            <a:r>
+              <a:rPr lang="en-US" dirty="0" err="1" smtClean="0"/>
+              <a:t>color:yellow</a:t>
+            </a:r>
+            <a:endParaRPr lang="en-US" dirty="0" smtClean="0"/>
+          </a:p>
+          <a:p>
+            <a:r>
+              <a:rPr lang="en-US" dirty="0" smtClean="0"/>
+              <a:t>}</a:t>
+            </a:r>
+          </a:p>
+          <a:p>
+            <a:endParaRPr lang="en-US" dirty="0" smtClean="0"/>
+          </a:p>
+          <a:p>
+            <a:r>
+              <a:rPr lang="en-US" dirty="0" smtClean="0"/>
+              <a:t>body div span{</a:t>
+            </a:r>
+          </a:p>
+          <a:p>
+            <a:r>
+              <a:rPr lang="en-US" dirty="0"/>
+              <a:t> </a:t>
+            </a:r>
+            <a:r>
+              <a:rPr lang="en-US" dirty="0" smtClean="0"/>
+              <a:t>  border:1px dashed </a:t>
+            </a:r>
+            <a:r>
+              <a:rPr lang="en-US" dirty="0" err="1" smtClean="0"/>
+              <a:t>marron</a:t>
+            </a:r>
+            <a:r>
+              <a:rPr lang="en-US" dirty="0" smtClean="0"/>
+              <a:t>;</a:t>
+            </a:r>
+          </a:p>
+          <a:p>
+            <a:r>
+              <a:rPr lang="en-US" dirty="0"/>
+              <a:t>}</a:t>
+            </a:r>
+          </a:p>
+          <a:p>
+            <a:endParaRPr lang="en-US" dirty="0"/>
+          </a:p>
+          <a:p>
+            <a:r>
+              <a:rPr lang="en-US" dirty="0" smtClean="0"/>
+              <a:t>#</a:t>
+            </a:r>
+            <a:r>
+              <a:rPr lang="zh-CN" altLang="en-US" dirty="0" smtClean="0"/>
+              <a:t>注意上图中的空格！！</a:t>
+            </a:r>
+            <a:endParaRPr lang="en-US" dirty="0"/>
+          </a:p>
+        </p:txBody>
+      </p:sp>
+    </p:spTree>
+    <p:extLst>
+      <p:ext uri="{BB962C8B-B14F-4D97-AF65-F5344CB8AC3E}">
+        <p14:creationId xmlns:p14="http://schemas.microsoft.com/office/powerpoint/2010/main" val="1830515037"/>
+      </p:ext>
+    </p:extLst>
+  </p:cSld>
+  <p:clrMapOvr>
+    <a:masterClrMapping/>
+  </p:clrMapOvr>
+</p:sld>
+</file>
+
+<file path=ppt/slides/slide18.xml><?xml version="1.0" encoding="utf-8"?>
+<p:sld xmlns:a="http://schemas.openxmlformats.org/drawingml/2006/main" xmlns:r="http://schemas.openxmlformats.org/officeDocument/2006/relationships" xmlns:p="http://schemas.openxmlformats.org/presentationml/2006/main">
+  <p:cSld>
+    <p:spTree>
+      <p:nvGrpSpPr>
+        <p:cNvPr id="1" name=""/>
+        <p:cNvGrpSpPr/>
+        <p:nvPr/>
+      </p:nvGrpSpPr>
+      <p:grpSpPr>
+        <a:xfrm>
+          <a:off x="0" y="0"/>
+          <a:ext cx="0" cy="0"/>
+          <a:chOff x="0" y="0"/>
+          <a:chExt cx="0" cy="0"/>
+        </a:xfrm>
+      </p:grpSpPr>
+      <p:sp>
+        <p:nvSpPr>
+          <p:cNvPr id="2" name="タイトル 1"/>
+          <p:cNvSpPr>
+            <a:spLocks noGrp="1"/>
+          </p:cNvSpPr>
+          <p:nvPr>
+            <p:ph type="title"/>
+          </p:nvPr>
+        </p:nvSpPr>
+        <p:spPr/>
+        <p:txBody>
+          <a:bodyPr/>
+          <a:lstStyle/>
+          <a:p>
+            <a:r>
+              <a:rPr lang="zh-CN" altLang="en-US" dirty="0" smtClean="0"/>
+              <a:t>规则权重</a:t>
+            </a:r>
+            <a:endParaRPr lang="en-US" dirty="0"/>
+          </a:p>
+        </p:txBody>
+      </p:sp>
+      <p:sp>
+        <p:nvSpPr>
+          <p:cNvPr id="3" name="テキスト ボックス 2"/>
+          <p:cNvSpPr txBox="1"/>
+          <p:nvPr/>
+        </p:nvSpPr>
+        <p:spPr>
+          <a:xfrm>
+            <a:off x="467544" y="1203598"/>
+            <a:ext cx="6696744" cy="4401205"/>
+          </a:xfrm>
+          <a:prstGeom prst="rect">
+            <a:avLst/>
+          </a:prstGeom>
+          <a:noFill/>
+        </p:spPr>
+        <p:txBody>
+          <a:bodyPr wrap="square" rtlCol="0">
+            <a:spAutoFit/>
+          </a:bodyPr>
+          <a:lstStyle/>
+          <a:p>
+            <a:endParaRPr lang="en-US" altLang="zh-CN" dirty="0"/>
+          </a:p>
+          <a:p>
+            <a:r>
+              <a:rPr lang="zh-CN" altLang="en-US" dirty="0" smtClean="0"/>
+              <a:t>那么，当一个元素能够被两个规则所定义时，该如何取舍？</a:t>
+            </a:r>
+            <a:endParaRPr lang="en-US" altLang="zh-CN" dirty="0" smtClean="0"/>
+          </a:p>
+          <a:p>
+            <a:r>
+              <a:rPr lang="zh-CN" altLang="en-US" dirty="0" smtClean="0"/>
+              <a:t>如</a:t>
+            </a:r>
+            <a:endParaRPr lang="en-US" altLang="zh-CN" dirty="0" smtClean="0"/>
+          </a:p>
+          <a:p>
+            <a:r>
+              <a:rPr lang="en-US" sz="1000" dirty="0"/>
+              <a:t>&lt;style type=</a:t>
+            </a:r>
+            <a:r>
+              <a:rPr lang="en-US" sz="1000" i="1" dirty="0"/>
+              <a:t>"text/</a:t>
+            </a:r>
+            <a:r>
+              <a:rPr lang="en-US" sz="1000" i="1" dirty="0" err="1"/>
+              <a:t>css</a:t>
+            </a:r>
+            <a:r>
+              <a:rPr lang="en-US" sz="1000" i="1" dirty="0"/>
+              <a:t>"&gt;</a:t>
+            </a:r>
+          </a:p>
+          <a:p>
+            <a:r>
+              <a:rPr lang="en-US" sz="1000" i="1" dirty="0"/>
+              <a:t>.hotdog </a:t>
+            </a:r>
+            <a:r>
+              <a:rPr lang="en-US" sz="1000" b="1" i="1" dirty="0" err="1"/>
+              <a:t>p.mustard</a:t>
+            </a:r>
+            <a:r>
+              <a:rPr lang="en-US" sz="1000" b="1" i="1" dirty="0"/>
+              <a:t> {</a:t>
+            </a:r>
+          </a:p>
+          <a:p>
+            <a:r>
+              <a:rPr lang="en-US" sz="1000" dirty="0"/>
+              <a:t>background: </a:t>
+            </a:r>
+            <a:r>
+              <a:rPr lang="en-US" sz="1000" i="1" dirty="0"/>
+              <a:t>yellow;</a:t>
+            </a:r>
+          </a:p>
+          <a:p>
+            <a:r>
+              <a:rPr lang="en-US" sz="1000" dirty="0"/>
+              <a:t>font-size: </a:t>
+            </a:r>
+            <a:r>
+              <a:rPr lang="en-US" sz="1000" i="1" dirty="0"/>
+              <a:t>36px</a:t>
+            </a:r>
+          </a:p>
+          <a:p>
+            <a:r>
+              <a:rPr lang="en-US" sz="1000" dirty="0" smtClean="0"/>
+              <a:t>}</a:t>
+            </a:r>
+            <a:endParaRPr lang="en-US" sz="1000" dirty="0"/>
+          </a:p>
+          <a:p>
+            <a:r>
+              <a:rPr lang="en-US" sz="1000" i="1" dirty="0"/>
+              <a:t>.hotdog </a:t>
+            </a:r>
+            <a:r>
+              <a:rPr lang="en-US" sz="1000" b="1" i="1" dirty="0"/>
+              <a:t>p{</a:t>
+            </a:r>
+          </a:p>
+          <a:p>
+            <a:r>
+              <a:rPr lang="en-US" sz="1000" dirty="0"/>
+              <a:t>background: </a:t>
+            </a:r>
+            <a:r>
+              <a:rPr lang="en-US" sz="1000" i="1" dirty="0"/>
+              <a:t>brown;</a:t>
+            </a:r>
+          </a:p>
+          <a:p>
+            <a:r>
+              <a:rPr lang="en-US" sz="1000" dirty="0"/>
+              <a:t>color: </a:t>
+            </a:r>
+            <a:r>
+              <a:rPr lang="en-US" sz="1000" i="1" dirty="0"/>
+              <a:t>blue</a:t>
+            </a:r>
+          </a:p>
+          <a:p>
+            <a:r>
+              <a:rPr lang="en-US" sz="1000" dirty="0"/>
+              <a:t>}</a:t>
+            </a:r>
+          </a:p>
+          <a:p>
+            <a:r>
+              <a:rPr lang="en-US" sz="1000" dirty="0" smtClean="0"/>
+              <a:t>&lt;</a:t>
+            </a:r>
+            <a:r>
+              <a:rPr lang="en-US" sz="1000" dirty="0"/>
+              <a:t>div class=</a:t>
+            </a:r>
+            <a:r>
+              <a:rPr lang="en-US" sz="1000" i="1" dirty="0"/>
+              <a:t>"hotdog"&gt;</a:t>
+            </a:r>
+          </a:p>
+          <a:p>
+            <a:r>
+              <a:rPr lang="en-US" sz="1000" dirty="0"/>
+              <a:t>&lt;p class=</a:t>
+            </a:r>
+            <a:r>
+              <a:rPr lang="en-US" sz="1000" i="1" dirty="0"/>
+              <a:t>"mustard"&gt;I am mustard&lt;/p&gt;</a:t>
+            </a:r>
+          </a:p>
+          <a:p>
+            <a:r>
+              <a:rPr lang="en-US" sz="1000" dirty="0"/>
+              <a:t>&lt;p class=</a:t>
+            </a:r>
+            <a:r>
+              <a:rPr lang="en-US" sz="1000" i="1" dirty="0"/>
+              <a:t>"other"&gt;I am not mustard&lt;/p&gt;</a:t>
+            </a:r>
+          </a:p>
+          <a:p>
+            <a:r>
+              <a:rPr lang="en-US" sz="1000" dirty="0"/>
+              <a:t>&lt;/div</a:t>
+            </a:r>
+            <a:r>
+              <a:rPr lang="en-US" sz="1000" dirty="0" smtClean="0"/>
+              <a:t>&gt;</a:t>
+            </a:r>
+          </a:p>
+          <a:p>
+            <a:endParaRPr lang="en-US" altLang="zh-CN" sz="1000" dirty="0" smtClean="0"/>
+          </a:p>
+          <a:p>
+            <a:r>
+              <a:rPr lang="zh-CN" altLang="en-US" dirty="0" smtClean="0"/>
+              <a:t>第一个元素权值</a:t>
+            </a:r>
+            <a:r>
+              <a:rPr lang="en-US" altLang="zh-CN" dirty="0" smtClean="0"/>
+              <a:t>0-2-1</a:t>
+            </a:r>
+            <a:r>
+              <a:rPr lang="zh-CN" altLang="en-US" dirty="0" smtClean="0"/>
+              <a:t>，第二个为</a:t>
+            </a:r>
+            <a:r>
+              <a:rPr lang="en-US" altLang="zh-CN" dirty="0" smtClean="0"/>
+              <a:t>0-1-1,</a:t>
+            </a:r>
+          </a:p>
+          <a:p>
+            <a:r>
+              <a:rPr lang="zh-CN" altLang="en-US" dirty="0" smtClean="0"/>
+              <a:t>虽然</a:t>
+            </a:r>
+            <a:r>
+              <a:rPr lang="en-US" altLang="zh-CN" dirty="0" smtClean="0"/>
+              <a:t>.hotdog p</a:t>
+            </a:r>
+            <a:r>
+              <a:rPr lang="zh-CN" altLang="en-US" dirty="0" smtClean="0"/>
+              <a:t>出现在后面，理应覆盖前者，但是权重不如他，那么第一个元素的背景色就是黄色。</a:t>
+            </a:r>
+            <a:endParaRPr lang="en-US" altLang="zh-CN" dirty="0"/>
+          </a:p>
+          <a:p>
+            <a:r>
+              <a:rPr lang="en-US" altLang="zh-CN" dirty="0" smtClean="0"/>
+              <a:t>Font-size</a:t>
+            </a:r>
+            <a:r>
+              <a:rPr lang="zh-CN" altLang="en-US" dirty="0" smtClean="0"/>
+              <a:t>和</a:t>
+            </a:r>
+            <a:r>
+              <a:rPr lang="en-US" altLang="zh-CN" dirty="0" smtClean="0"/>
+              <a:t>color</a:t>
+            </a:r>
+            <a:r>
+              <a:rPr lang="zh-CN" altLang="en-US" dirty="0" smtClean="0"/>
+              <a:t>元素彼此之间没有冲突，那么第一个元素这两个属性都能享有，而第二个元素只有</a:t>
+            </a:r>
+            <a:r>
+              <a:rPr lang="en-US" altLang="zh-CN" dirty="0" smtClean="0"/>
+              <a:t>color</a:t>
+            </a:r>
+            <a:r>
+              <a:rPr lang="zh-CN" altLang="en-US" dirty="0" smtClean="0"/>
+              <a:t>属性</a:t>
+            </a:r>
+            <a:endParaRPr lang="en-US" altLang="zh-CN" dirty="0" smtClean="0"/>
+          </a:p>
+          <a:p>
+            <a:endParaRPr lang="en-US" altLang="zh-CN" dirty="0"/>
+          </a:p>
+          <a:p>
+            <a:endParaRPr lang="en-US" altLang="zh-CN" dirty="0" smtClean="0"/>
+          </a:p>
+        </p:txBody>
+      </p:sp>
+    </p:spTree>
+    <p:extLst>
+      <p:ext uri="{BB962C8B-B14F-4D97-AF65-F5344CB8AC3E}">
+        <p14:creationId xmlns:p14="http://schemas.microsoft.com/office/powerpoint/2010/main" val="1443710590"/>
+      </p:ext>
+    </p:extLst>
+  </p:cSld>
+  <p:clrMapOvr>
+    <a:masterClrMapping/>
+  </p:clrMapOvr>
+</p:sld>
+</file>
+
+<file path=ppt/slides/slide19.xml><?xml version="1.0" encoding="utf-8"?>
+<p:sld xmlns:a="http://schemas.openxmlformats.org/drawingml/2006/main" xmlns:r="http://schemas.openxmlformats.org/officeDocument/2006/relationships" xmlns:p="http://schemas.openxmlformats.org/presentationml/2006/main">
+  <p:cSld>
+    <p:spTree>
+      <p:nvGrpSpPr>
+        <p:cNvPr id="1" name=""/>
+        <p:cNvGrpSpPr/>
+        <p:nvPr/>
+      </p:nvGrpSpPr>
+      <p:grpSpPr>
+        <a:xfrm>
+          <a:off x="0" y="0"/>
+          <a:ext cx="0" cy="0"/>
+          <a:chOff x="0" y="0"/>
+          <a:chExt cx="0" cy="0"/>
+        </a:xfrm>
+      </p:grpSpPr>
+      <p:sp>
+        <p:nvSpPr>
+          <p:cNvPr id="2" name="タイトル 1"/>
+          <p:cNvSpPr>
+            <a:spLocks noGrp="1"/>
+          </p:cNvSpPr>
+          <p:nvPr>
+            <p:ph type="title"/>
+          </p:nvPr>
+        </p:nvSpPr>
+        <p:spPr/>
+        <p:txBody>
+          <a:bodyPr/>
+          <a:lstStyle/>
+          <a:p>
+            <a:r>
+              <a:rPr lang="zh-CN" altLang="en-US" dirty="0" smtClean="0"/>
+              <a:t>下节课</a:t>
+            </a:r>
+            <a:endParaRPr lang="en-US" dirty="0"/>
+          </a:p>
+        </p:txBody>
+      </p:sp>
+      <p:sp>
+        <p:nvSpPr>
+          <p:cNvPr id="3" name="テキスト ボックス 2"/>
+          <p:cNvSpPr txBox="1"/>
+          <p:nvPr/>
+        </p:nvSpPr>
+        <p:spPr>
+          <a:xfrm>
+            <a:off x="611560" y="1419622"/>
+            <a:ext cx="5904656" cy="1169551"/>
+          </a:xfrm>
+          <a:prstGeom prst="rect">
+            <a:avLst/>
+          </a:prstGeom>
+          <a:noFill/>
+        </p:spPr>
+        <p:txBody>
+          <a:bodyPr wrap="square" rtlCol="0">
+            <a:spAutoFit/>
+          </a:bodyPr>
+          <a:lstStyle/>
+          <a:p>
+            <a:r>
+              <a:rPr lang="en-US" dirty="0" smtClean="0"/>
+              <a:t>1</a:t>
+            </a:r>
+            <a:r>
+              <a:rPr lang="en-US" altLang="zh-CN" dirty="0" smtClean="0"/>
+              <a:t>.</a:t>
+            </a:r>
+            <a:r>
+              <a:rPr lang="zh-CN" altLang="en-US" dirty="0" smtClean="0"/>
+              <a:t>用</a:t>
+            </a:r>
+            <a:r>
+              <a:rPr lang="en-US" altLang="zh-CN" dirty="0" smtClean="0"/>
+              <a:t>Java</a:t>
+            </a:r>
+            <a:r>
+              <a:rPr lang="zh-CN" altLang="en-US" dirty="0" smtClean="0"/>
+              <a:t>来生成网页（</a:t>
+            </a:r>
+            <a:r>
+              <a:rPr lang="en-US" altLang="zh-CN" dirty="0" err="1" smtClean="0"/>
+              <a:t>servlet&amp;jsp</a:t>
+            </a:r>
+            <a:r>
+              <a:rPr lang="zh-CN" altLang="en-US" dirty="0" smtClean="0"/>
+              <a:t>）</a:t>
+            </a:r>
+            <a:endParaRPr lang="en-US" altLang="zh-CN" dirty="0" smtClean="0"/>
+          </a:p>
+          <a:p>
+            <a:endParaRPr lang="en-US" dirty="0"/>
+          </a:p>
+          <a:p>
+            <a:r>
+              <a:rPr lang="en-US" dirty="0" smtClean="0"/>
+              <a:t>2</a:t>
+            </a:r>
+            <a:r>
+              <a:rPr lang="en-US" altLang="zh-CN" dirty="0" smtClean="0"/>
+              <a:t>.Css</a:t>
+            </a:r>
+            <a:r>
+              <a:rPr lang="zh-CN" altLang="en-US" dirty="0" smtClean="0"/>
+              <a:t>续</a:t>
+            </a:r>
+            <a:endParaRPr lang="en-US" altLang="zh-CN" dirty="0" smtClean="0"/>
+          </a:p>
+          <a:p>
+            <a:endParaRPr lang="en-US" dirty="0"/>
+          </a:p>
+          <a:p>
+            <a:r>
+              <a:rPr lang="en-US" dirty="0" smtClean="0"/>
+              <a:t>3</a:t>
+            </a:r>
+            <a:r>
+              <a:rPr lang="en-US" altLang="zh-CN" dirty="0" smtClean="0"/>
+              <a:t>.</a:t>
+            </a:r>
+            <a:r>
+              <a:rPr lang="zh-CN" altLang="en-US" dirty="0" smtClean="0"/>
+              <a:t>项目介绍（图书管理系统）</a:t>
+            </a:r>
+            <a:endParaRPr lang="en-US" dirty="0"/>
+          </a:p>
+        </p:txBody>
+      </p:sp>
+    </p:spTree>
+    <p:extLst>
+      <p:ext uri="{BB962C8B-B14F-4D97-AF65-F5344CB8AC3E}">
+        <p14:creationId xmlns:p14="http://schemas.microsoft.com/office/powerpoint/2010/main" val="2260779318"/>
       </p:ext>
     </p:extLst>
   </p:cSld>
